--- a/Вычислительная машина Штаффеля.pptx
+++ b/Вычислительная машина Штаффеля.pptx
@@ -10,6 +10,9 @@
     <p:sldId id="260" r:id="rId4"/>
     <p:sldId id="258" r:id="rId5"/>
     <p:sldId id="261" r:id="rId6"/>
+    <p:sldId id="263" r:id="rId7"/>
+    <p:sldId id="265" r:id="rId8"/>
+    <p:sldId id="267" r:id="rId9"/>
   </p:sldIdLst>
   <p:sldSz cx="12192000" cy="6858000"/>
   <p:notesSz cx="6858000" cy="9144000"/>
@@ -278,7 +281,7 @@
           <a:p>
             <a:fld id="{ECD19FB2-3AAB-4D03-B13A-2960828C78E3}" type="datetimeFigureOut">
               <a:rPr lang="en-US" dirty="0"/>
-              <a:t>3/2/21</a:t>
+              <a:t>3/3/2021</a:t>
             </a:fld>
             <a:endParaRPr lang="en-US" dirty="0"/>
           </a:p>
@@ -555,7 +558,7 @@
           <a:p>
             <a:fld id="{1B80C674-7DFC-42FE-B9CD-82963CDB1557}" type="datetimeFigureOut">
               <a:rPr lang="en-US" dirty="0"/>
-              <a:t>3/2/21</a:t>
+              <a:t>3/3/2021</a:t>
             </a:fld>
             <a:endParaRPr lang="en-US" dirty="0"/>
           </a:p>
@@ -742,7 +745,7 @@
           <a:p>
             <a:fld id="{2076456F-F47D-4F25-8053-2A695DA0CA7D}" type="datetimeFigureOut">
               <a:rPr lang="en-US" dirty="0"/>
-              <a:t>3/2/21</a:t>
+              <a:t>3/3/2021</a:t>
             </a:fld>
             <a:endParaRPr lang="en-US" dirty="0"/>
           </a:p>
@@ -998,7 +1001,7 @@
           <a:p>
             <a:fld id="{5D6C7379-69CC-4837-9905-BEBA22830C8A}" type="datetimeFigureOut">
               <a:rPr lang="en-US" dirty="0"/>
-              <a:t>3/2/21</a:t>
+              <a:t>3/3/2021</a:t>
             </a:fld>
             <a:endParaRPr lang="en-US" dirty="0"/>
           </a:p>
@@ -1419,7 +1422,7 @@
           <a:p>
             <a:fld id="{49EB8B7E-8AEE-4F10-BFEE-C999AD004D36}" type="datetimeFigureOut">
               <a:rPr lang="en-US" dirty="0"/>
-              <a:t>3/2/21</a:t>
+              <a:t>3/3/2021</a:t>
             </a:fld>
             <a:endParaRPr lang="en-US" dirty="0"/>
           </a:p>
@@ -1960,7 +1963,7 @@
           <a:p>
             <a:fld id="{8668F3F9-58BC-440B-B37B-805B9055EF92}" type="datetimeFigureOut">
               <a:rPr lang="en-US" dirty="0"/>
-              <a:t>3/2/21</a:t>
+              <a:t>3/3/2021</a:t>
             </a:fld>
             <a:endParaRPr lang="en-US" dirty="0"/>
           </a:p>
@@ -2786,7 +2789,7 @@
           <a:p>
             <a:fld id="{0D5A53AF-48EA-489D-8260-9DCAB666386A}" type="datetimeFigureOut">
               <a:rPr lang="en-US" dirty="0"/>
-              <a:t>3/2/21</a:t>
+              <a:t>3/3/2021</a:t>
             </a:fld>
             <a:endParaRPr lang="en-US" dirty="0"/>
           </a:p>
@@ -2951,7 +2954,7 @@
           <a:p>
             <a:fld id="{0DED02AE-B9A4-47BD-AF8E-97E16144138B}" type="datetimeFigureOut">
               <a:rPr lang="en-US" dirty="0"/>
-              <a:t>3/2/21</a:t>
+              <a:t>3/3/2021</a:t>
             </a:fld>
             <a:endParaRPr lang="en-US" dirty="0"/>
           </a:p>
@@ -3126,7 +3129,7 @@
           <a:p>
             <a:fld id="{CF0FD78B-DB02-4362-BCDC-98A55456977C}" type="datetimeFigureOut">
               <a:rPr lang="en-US" dirty="0"/>
-              <a:t>3/2/21</a:t>
+              <a:t>3/3/2021</a:t>
             </a:fld>
             <a:endParaRPr lang="en-US" dirty="0"/>
           </a:p>
@@ -3291,7 +3294,7 @@
           <a:p>
             <a:fld id="{99916976-5D93-46E4-A98A-FAD63E4D0EA8}" type="datetimeFigureOut">
               <a:rPr lang="en-US" dirty="0"/>
-              <a:t>3/2/21</a:t>
+              <a:t>3/3/2021</a:t>
             </a:fld>
             <a:endParaRPr lang="en-US" dirty="0"/>
           </a:p>
@@ -3543,7 +3546,7 @@
           <a:p>
             <a:fld id="{0F39F4F5-F4D2-4D2A-AB60-88D37ADCB869}" type="datetimeFigureOut">
               <a:rPr lang="en-US" dirty="0"/>
-              <a:t>3/2/21</a:t>
+              <a:t>3/3/2021</a:t>
             </a:fld>
             <a:endParaRPr lang="en-US" dirty="0"/>
           </a:p>
@@ -3770,7 +3773,7 @@
           <a:p>
             <a:fld id="{D23BC6CE-6D1E-47E5-8859-F31AC5380EB2}" type="datetimeFigureOut">
               <a:rPr lang="en-US" dirty="0"/>
-              <a:t>3/2/21</a:t>
+              <a:t>3/3/2021</a:t>
             </a:fld>
             <a:endParaRPr lang="en-US" dirty="0"/>
           </a:p>
@@ -4158,7 +4161,7 @@
           <a:p>
             <a:fld id="{B1B4E7C4-4DA4-404D-9965-B13F2DD7D8BF}" type="datetimeFigureOut">
               <a:rPr lang="en-US" dirty="0"/>
-              <a:t>3/2/21</a:t>
+              <a:t>3/3/2021</a:t>
             </a:fld>
             <a:endParaRPr lang="en-US" dirty="0"/>
           </a:p>
@@ -4271,7 +4274,7 @@
           <a:p>
             <a:fld id="{476FB7AA-4A53-424F-AD41-70827B6504BA}" type="datetimeFigureOut">
               <a:rPr lang="en-US" dirty="0"/>
-              <a:t>3/2/21</a:t>
+              <a:t>3/3/2021</a:t>
             </a:fld>
             <a:endParaRPr lang="en-US" dirty="0"/>
           </a:p>
@@ -4361,7 +4364,7 @@
           <a:p>
             <a:fld id="{E7884882-FB12-4BC8-9960-9AD8104D7FAE}" type="datetimeFigureOut">
               <a:rPr lang="en-US" dirty="0"/>
-              <a:t>3/2/21</a:t>
+              <a:t>3/3/2021</a:t>
             </a:fld>
             <a:endParaRPr lang="en-US" dirty="0"/>
           </a:p>
@@ -4629,7 +4632,7 @@
           <a:p>
             <a:fld id="{F7D1BD23-6E54-4D9D-AD88-A2813C73CC25}" type="datetimeFigureOut">
               <a:rPr lang="en-US" dirty="0"/>
-              <a:t>3/2/21</a:t>
+              <a:t>3/3/2021</a:t>
             </a:fld>
             <a:endParaRPr lang="en-US" dirty="0"/>
           </a:p>
@@ -4905,7 +4908,7 @@
           <a:p>
             <a:fld id="{1471A834-4F3C-4AF9-9C74-05EC35A0F292}" type="datetimeFigureOut">
               <a:rPr lang="en-US" dirty="0"/>
-              <a:t>3/2/21</a:t>
+              <a:t>3/3/2021</a:t>
             </a:fld>
             <a:endParaRPr lang="en-US" dirty="0"/>
           </a:p>
@@ -5140,7 +5143,7 @@
           <a:p>
             <a:fld id="{51CF1133-3259-4C45-BABA-5B62D9C6F78D}" type="datetimeFigureOut">
               <a:rPr lang="en-US" dirty="0"/>
-              <a:t>3/2/21</a:t>
+              <a:t>3/3/2021</a:t>
             </a:fld>
             <a:endParaRPr lang="en-US" dirty="0"/>
           </a:p>
@@ -5704,7 +5707,7 @@
           <p:cNvPr id="2" name="Заголовок 1">
             <a:extLst>
               <a:ext uri="{FF2B5EF4-FFF2-40B4-BE49-F238E27FC236}">
-                <a16:creationId xmlns:a16="http://schemas.microsoft.com/office/drawing/2014/main" id="{BA18FC36-0923-8D47-9EF0-FD06D67F8373}"/>
+                <a16:creationId xmlns:a16="http://schemas.microsoft.com/office/drawing/2014/main" xmlns="" id="{BA18FC36-0923-8D47-9EF0-FD06D67F8373}"/>
               </a:ext>
             </a:extLst>
           </p:cNvPr>
@@ -5739,6 +5742,12 @@
                 <a:effectLst/>
               </a:rPr>
               <a:t>Штаффеля</a:t>
+            </a:r>
+            <a:r>
+              <a:rPr lang="ru-RU" sz="6000" dirty="0">
+                <a:effectLst/>
+              </a:rPr>
+              <a:t/>
             </a:r>
             <a:br>
               <a:rPr lang="ru-RU" sz="6000" dirty="0">
@@ -5784,7 +5793,7 @@
           <p:cNvPr id="2" name="Заголовок 1">
             <a:extLst>
               <a:ext uri="{FF2B5EF4-FFF2-40B4-BE49-F238E27FC236}">
-                <a16:creationId xmlns:a16="http://schemas.microsoft.com/office/drawing/2014/main" id="{BE191481-19CD-4FD2-8261-B51594DFF4B0}"/>
+                <a16:creationId xmlns:a16="http://schemas.microsoft.com/office/drawing/2014/main" xmlns="" id="{BE191481-19CD-4FD2-8261-B51594DFF4B0}"/>
               </a:ext>
             </a:extLst>
           </p:cNvPr>
@@ -5817,7 +5826,7 @@
           <p:cNvPr id="4" name="Прямоугольник 3">
             <a:extLst>
               <a:ext uri="{FF2B5EF4-FFF2-40B4-BE49-F238E27FC236}">
-                <a16:creationId xmlns:a16="http://schemas.microsoft.com/office/drawing/2014/main" id="{DE94ACC0-D1B9-4E99-B2F8-D46CE6E678AB}"/>
+                <a16:creationId xmlns:a16="http://schemas.microsoft.com/office/drawing/2014/main" xmlns="" id="{DE94ACC0-D1B9-4E99-B2F8-D46CE6E678AB}"/>
               </a:ext>
             </a:extLst>
           </p:cNvPr>
@@ -5865,7 +5874,7 @@
           <p:cNvPr id="5" name="Прямоугольник 4">
             <a:extLst>
               <a:ext uri="{FF2B5EF4-FFF2-40B4-BE49-F238E27FC236}">
-                <a16:creationId xmlns:a16="http://schemas.microsoft.com/office/drawing/2014/main" id="{6620B446-83B9-42D1-8333-6C98C488F8D1}"/>
+                <a16:creationId xmlns:a16="http://schemas.microsoft.com/office/drawing/2014/main" xmlns="" id="{6620B446-83B9-42D1-8333-6C98C488F8D1}"/>
               </a:ext>
             </a:extLst>
           </p:cNvPr>
@@ -5923,7 +5932,7 @@
           <p:cNvPr id="7" name="Рисунок 6">
             <a:extLst>
               <a:ext uri="{FF2B5EF4-FFF2-40B4-BE49-F238E27FC236}">
-                <a16:creationId xmlns:a16="http://schemas.microsoft.com/office/drawing/2014/main" id="{2BA8FCA8-8A88-4828-A792-C68FFC955AE2}"/>
+                <a16:creationId xmlns:a16="http://schemas.microsoft.com/office/drawing/2014/main" xmlns="" id="{2BA8FCA8-8A88-4828-A792-C68FFC955AE2}"/>
               </a:ext>
             </a:extLst>
           </p:cNvPr>
@@ -5953,7 +5962,7 @@
           <p:cNvPr id="8" name="Прямоугольник 7">
             <a:extLst>
               <a:ext uri="{FF2B5EF4-FFF2-40B4-BE49-F238E27FC236}">
-                <a16:creationId xmlns:a16="http://schemas.microsoft.com/office/drawing/2014/main" id="{629DB939-FB91-40D2-8A76-E27708547437}"/>
+                <a16:creationId xmlns:a16="http://schemas.microsoft.com/office/drawing/2014/main" xmlns="" id="{629DB939-FB91-40D2-8A76-E27708547437}"/>
               </a:ext>
             </a:extLst>
           </p:cNvPr>
@@ -6020,7 +6029,7 @@
           <p:cNvPr id="4" name="TextBox 3">
             <a:extLst>
               <a:ext uri="{FF2B5EF4-FFF2-40B4-BE49-F238E27FC236}">
-                <a16:creationId xmlns:a16="http://schemas.microsoft.com/office/drawing/2014/main" id="{D0B91F73-876D-0244-94E6-7350E6F4F55D}"/>
+                <a16:creationId xmlns:a16="http://schemas.microsoft.com/office/drawing/2014/main" xmlns="" id="{D0B91F73-876D-0244-94E6-7350E6F4F55D}"/>
               </a:ext>
             </a:extLst>
           </p:cNvPr>
@@ -6106,7 +6115,7 @@
           <p:cNvPr id="7" name="TextBox 6">
             <a:extLst>
               <a:ext uri="{FF2B5EF4-FFF2-40B4-BE49-F238E27FC236}">
-                <a16:creationId xmlns:a16="http://schemas.microsoft.com/office/drawing/2014/main" id="{568AB411-7200-FE4C-955C-D1A47A4D0C5F}"/>
+                <a16:creationId xmlns:a16="http://schemas.microsoft.com/office/drawing/2014/main" xmlns="" id="{568AB411-7200-FE4C-955C-D1A47A4D0C5F}"/>
               </a:ext>
             </a:extLst>
           </p:cNvPr>
@@ -6177,7 +6186,7 @@
           <p:cNvPr id="2" name="Заголовок 1">
             <a:extLst>
               <a:ext uri="{FF2B5EF4-FFF2-40B4-BE49-F238E27FC236}">
-                <a16:creationId xmlns:a16="http://schemas.microsoft.com/office/drawing/2014/main" id="{5B4CF720-C1FE-E84A-B9E6-E894AA3D03FC}"/>
+                <a16:creationId xmlns:a16="http://schemas.microsoft.com/office/drawing/2014/main" xmlns="" id="{5B4CF720-C1FE-E84A-B9E6-E894AA3D03FC}"/>
               </a:ext>
             </a:extLst>
           </p:cNvPr>
@@ -6216,7 +6225,7 @@
           <p:cNvPr id="6" name="Прямоугольник 5">
             <a:extLst>
               <a:ext uri="{FF2B5EF4-FFF2-40B4-BE49-F238E27FC236}">
-                <a16:creationId xmlns:a16="http://schemas.microsoft.com/office/drawing/2014/main" id="{A609B741-D3C1-C647-B39B-46EB1D0058A7}"/>
+                <a16:creationId xmlns:a16="http://schemas.microsoft.com/office/drawing/2014/main" xmlns="" id="{A609B741-D3C1-C647-B39B-46EB1D0058A7}"/>
               </a:ext>
             </a:extLst>
           </p:cNvPr>
@@ -6257,7 +6266,7 @@
           <p:cNvPr id="7" name="Прямоугольник 6">
             <a:extLst>
               <a:ext uri="{FF2B5EF4-FFF2-40B4-BE49-F238E27FC236}">
-                <a16:creationId xmlns:a16="http://schemas.microsoft.com/office/drawing/2014/main" id="{A94B0B8F-5F24-274E-A0A5-E9635A745416}"/>
+                <a16:creationId xmlns:a16="http://schemas.microsoft.com/office/drawing/2014/main" xmlns="" id="{A94B0B8F-5F24-274E-A0A5-E9635A745416}"/>
               </a:ext>
             </a:extLst>
           </p:cNvPr>
@@ -6298,7 +6307,7 @@
           <p:cNvPr id="8" name="Прямоугольник 7">
             <a:extLst>
               <a:ext uri="{FF2B5EF4-FFF2-40B4-BE49-F238E27FC236}">
-                <a16:creationId xmlns:a16="http://schemas.microsoft.com/office/drawing/2014/main" id="{D0F8133C-9C08-884E-9889-19D9254FC850}"/>
+                <a16:creationId xmlns:a16="http://schemas.microsoft.com/office/drawing/2014/main" xmlns="" id="{D0F8133C-9C08-884E-9889-19D9254FC850}"/>
               </a:ext>
             </a:extLst>
           </p:cNvPr>
@@ -6383,7 +6392,7 @@
           <p:cNvPr id="4" name="Рисунок 3">
             <a:extLst>
               <a:ext uri="{FF2B5EF4-FFF2-40B4-BE49-F238E27FC236}">
-                <a16:creationId xmlns:a16="http://schemas.microsoft.com/office/drawing/2014/main" id="{77002AD1-D95E-1344-A495-BA4C35C7A1AD}"/>
+                <a16:creationId xmlns:a16="http://schemas.microsoft.com/office/drawing/2014/main" xmlns="" id="{77002AD1-D95E-1344-A495-BA4C35C7A1AD}"/>
               </a:ext>
             </a:extLst>
           </p:cNvPr>
@@ -6413,7 +6422,7 @@
           <p:cNvPr id="6" name="Рисунок 5">
             <a:extLst>
               <a:ext uri="{FF2B5EF4-FFF2-40B4-BE49-F238E27FC236}">
-                <a16:creationId xmlns:a16="http://schemas.microsoft.com/office/drawing/2014/main" id="{161E6480-F61F-7445-857D-B6083A6E491B}"/>
+                <a16:creationId xmlns:a16="http://schemas.microsoft.com/office/drawing/2014/main" xmlns="" id="{161E6480-F61F-7445-857D-B6083A6E491B}"/>
               </a:ext>
             </a:extLst>
           </p:cNvPr>
@@ -6443,7 +6452,7 @@
           <p:cNvPr id="7" name="TextBox 6">
             <a:extLst>
               <a:ext uri="{FF2B5EF4-FFF2-40B4-BE49-F238E27FC236}">
-                <a16:creationId xmlns:a16="http://schemas.microsoft.com/office/drawing/2014/main" id="{8F6D573D-A49A-634D-B3C6-F436DF8ECDE5}"/>
+                <a16:creationId xmlns:a16="http://schemas.microsoft.com/office/drawing/2014/main" xmlns="" id="{8F6D573D-A49A-634D-B3C6-F436DF8ECDE5}"/>
               </a:ext>
             </a:extLst>
           </p:cNvPr>
@@ -6481,6 +6490,369 @@
     <p:extLst>
       <p:ext uri="{BB962C8B-B14F-4D97-AF65-F5344CB8AC3E}">
         <p14:creationId xmlns:p14="http://schemas.microsoft.com/office/powerpoint/2010/main" val="2998622938"/>
+      </p:ext>
+    </p:extLst>
+  </p:cSld>
+  <p:clrMapOvr>
+    <a:masterClrMapping/>
+  </p:clrMapOvr>
+</p:sld>
+</file>
+
+<file path=ppt/slides/slide6.xml><?xml version="1.0" encoding="utf-8"?>
+<p:sld xmlns:a="http://schemas.openxmlformats.org/drawingml/2006/main" xmlns:r="http://schemas.openxmlformats.org/officeDocument/2006/relationships" xmlns:p="http://schemas.openxmlformats.org/presentationml/2006/main">
+  <p:cSld>
+    <p:spTree>
+      <p:nvGrpSpPr>
+        <p:cNvPr id="1" name=""/>
+        <p:cNvGrpSpPr/>
+        <p:nvPr/>
+      </p:nvGrpSpPr>
+      <p:grpSpPr>
+        <a:xfrm>
+          <a:off x="0" y="0"/>
+          <a:ext cx="0" cy="0"/>
+          <a:chOff x="0" y="0"/>
+          <a:chExt cx="0" cy="0"/>
+        </a:xfrm>
+      </p:grpSpPr>
+      <p:sp>
+        <p:nvSpPr>
+          <p:cNvPr id="2" name="Заголовок 1"/>
+          <p:cNvSpPr>
+            <a:spLocks noGrp="1"/>
+          </p:cNvSpPr>
+          <p:nvPr>
+            <p:ph type="title"/>
+          </p:nvPr>
+        </p:nvSpPr>
+        <p:spPr>
+          <a:xfrm>
+            <a:off x="1120000" y="758856"/>
+            <a:ext cx="9218762" cy="621372"/>
+          </a:xfrm>
+        </p:spPr>
+        <p:txBody>
+          <a:bodyPr>
+            <a:normAutofit fontScale="90000"/>
+          </a:bodyPr>
+          <a:lstStyle/>
+          <a:p>
+            <a:r>
+              <a:rPr lang="ru-RU" dirty="0" smtClean="0"/>
+              <a:t>Описание работы машины</a:t>
+            </a:r>
+            <a:endParaRPr lang="ru-RU" dirty="0"/>
+          </a:p>
+        </p:txBody>
+      </p:sp>
+      <p:sp>
+        <p:nvSpPr>
+          <p:cNvPr id="3" name="Объект 2"/>
+          <p:cNvSpPr>
+            <a:spLocks noGrp="1"/>
+          </p:cNvSpPr>
+          <p:nvPr>
+            <p:ph idx="1"/>
+          </p:nvPr>
+        </p:nvSpPr>
+        <p:spPr/>
+        <p:txBody>
+          <a:bodyPr/>
+          <a:lstStyle/>
+          <a:p>
+            <a:pPr marL="0" indent="0">
+              <a:buNone/>
+            </a:pPr>
+            <a:r>
+              <a:rPr lang="ru-RU" dirty="0"/>
+              <a:t>Работа машины основана на простых правилах:</a:t>
+            </a:r>
+          </a:p>
+          <a:p>
+            <a:r>
+              <a:rPr lang="ru-RU" dirty="0"/>
+              <a:t>В режиме сложения/умножения поворот рукоятки приводил </a:t>
+            </a:r>
+            <a:r>
+              <a:rPr lang="ru-RU" b="1" dirty="0"/>
+              <a:t>к увеличению </a:t>
+            </a:r>
+            <a:r>
+              <a:rPr lang="ru-RU" dirty="0"/>
+              <a:t>значения в окошках результата на величину, заданную переключателями на валу, и </a:t>
+            </a:r>
+            <a:r>
+              <a:rPr lang="ru-RU" i="1" dirty="0"/>
+              <a:t>к уменьшению </a:t>
+            </a:r>
+            <a:r>
+              <a:rPr lang="ru-RU" dirty="0"/>
+              <a:t>значения в окошках множителя на 1;</a:t>
+            </a:r>
+          </a:p>
+          <a:p>
+            <a:r>
+              <a:rPr lang="ru-RU" dirty="0"/>
+              <a:t>В режиме вычитания/деления поворот рукоятки приводил </a:t>
+            </a:r>
+            <a:r>
+              <a:rPr lang="ru-RU" b="1" dirty="0"/>
+              <a:t>к </a:t>
+            </a:r>
+            <a:r>
+              <a:rPr lang="ru-RU" b="1" dirty="0" smtClean="0"/>
+              <a:t>уменьшению </a:t>
+            </a:r>
+            <a:r>
+              <a:rPr lang="ru-RU" dirty="0"/>
+              <a:t>значения в окошках результата на величину, заданную переключателями на валу, и </a:t>
+            </a:r>
+            <a:r>
+              <a:rPr lang="ru-RU" i="1" dirty="0"/>
+              <a:t>к увеличению </a:t>
+            </a:r>
+            <a:r>
+              <a:rPr lang="ru-RU" dirty="0"/>
+              <a:t>значения в окошках множителя на 1.</a:t>
+            </a:r>
+          </a:p>
+          <a:p>
+            <a:endParaRPr lang="ru-RU" dirty="0"/>
+          </a:p>
+        </p:txBody>
+      </p:sp>
+    </p:spTree>
+    <p:extLst>
+      <p:ext uri="{BB962C8B-B14F-4D97-AF65-F5344CB8AC3E}">
+        <p14:creationId xmlns:p14="http://schemas.microsoft.com/office/powerpoint/2010/main" val="2816831989"/>
+      </p:ext>
+    </p:extLst>
+  </p:cSld>
+  <p:clrMapOvr>
+    <a:masterClrMapping/>
+  </p:clrMapOvr>
+</p:sld>
+</file>
+
+<file path=ppt/slides/slide7.xml><?xml version="1.0" encoding="utf-8"?>
+<p:sld xmlns:a="http://schemas.openxmlformats.org/drawingml/2006/main" xmlns:r="http://schemas.openxmlformats.org/officeDocument/2006/relationships" xmlns:p="http://schemas.openxmlformats.org/presentationml/2006/main">
+  <p:cSld>
+    <p:spTree>
+      <p:nvGrpSpPr>
+        <p:cNvPr id="1" name=""/>
+        <p:cNvGrpSpPr/>
+        <p:nvPr/>
+      </p:nvGrpSpPr>
+      <p:grpSpPr>
+        <a:xfrm>
+          <a:off x="0" y="0"/>
+          <a:ext cx="0" cy="0"/>
+          <a:chOff x="0" y="0"/>
+          <a:chExt cx="0" cy="0"/>
+        </a:xfrm>
+      </p:grpSpPr>
+      <p:sp>
+        <p:nvSpPr>
+          <p:cNvPr id="2" name="Прямоугольник 1"/>
+          <p:cNvSpPr/>
+          <p:nvPr/>
+        </p:nvSpPr>
+        <p:spPr>
+          <a:xfrm>
+            <a:off x="483079" y="1189339"/>
+            <a:ext cx="11067691" cy="4524315"/>
+          </a:xfrm>
+          <a:prstGeom prst="rect">
+            <a:avLst/>
+          </a:prstGeom>
+        </p:spPr>
+        <p:txBody>
+          <a:bodyPr wrap="square">
+            <a:spAutoFit/>
+          </a:bodyPr>
+          <a:lstStyle/>
+          <a:p>
+            <a:r>
+              <a:rPr lang="ru-RU" sz="2400" dirty="0" smtClean="0"/>
+              <a:t>На машине можно было выполнять цепочку операций без записывания промежуточных результатов. Результат предыдущей операции запоминался в окошках результата и мог быть использован в качестве аргумента последующей операции. </a:t>
+            </a:r>
+          </a:p>
+          <a:p>
+            <a:endParaRPr lang="ru-RU" sz="2400" dirty="0"/>
+          </a:p>
+          <a:p>
+            <a:r>
+              <a:rPr lang="ru-RU" sz="2400" dirty="0" smtClean="0"/>
+              <a:t>Также помимо сложения, вычитания, умножения и деления машина </a:t>
+            </a:r>
+            <a:r>
+              <a:rPr lang="ru-RU" sz="2400" dirty="0" err="1" smtClean="0"/>
+              <a:t>Штаффеля</a:t>
+            </a:r>
+            <a:r>
+              <a:rPr lang="ru-RU" sz="2400" dirty="0" smtClean="0"/>
+              <a:t> позволяла вычислять </a:t>
+            </a:r>
+            <a:r>
+              <a:rPr lang="ru-RU" sz="2400" u="sng" dirty="0" smtClean="0"/>
+              <a:t>приближенное значение квадратного корня</a:t>
+            </a:r>
+            <a:r>
+              <a:rPr lang="ru-RU" sz="2400" dirty="0" smtClean="0"/>
+              <a:t> числа. Подробного описания действий, выполняемых в процессе извлечения квадратного корня, не сохранилось, однако для расчета корня был применён дополнительный механизм. В докладе Всемирной выставки в Лондоне 1851 года отмечалось, что операция извлечения корня, хотя и не требовала угадывания цифр результата, занимала много времени.</a:t>
+            </a:r>
+            <a:endParaRPr lang="ru-RU" sz="2400" dirty="0"/>
+          </a:p>
+        </p:txBody>
+      </p:sp>
+    </p:spTree>
+    <p:extLst>
+      <p:ext uri="{BB962C8B-B14F-4D97-AF65-F5344CB8AC3E}">
+        <p14:creationId xmlns:p14="http://schemas.microsoft.com/office/powerpoint/2010/main" val="1463931436"/>
+      </p:ext>
+    </p:extLst>
+  </p:cSld>
+  <p:clrMapOvr>
+    <a:masterClrMapping/>
+  </p:clrMapOvr>
+</p:sld>
+</file>
+
+<file path=ppt/slides/slide8.xml><?xml version="1.0" encoding="utf-8"?>
+<p:sld xmlns:a="http://schemas.openxmlformats.org/drawingml/2006/main" xmlns:r="http://schemas.openxmlformats.org/officeDocument/2006/relationships" xmlns:p="http://schemas.openxmlformats.org/presentationml/2006/main">
+  <p:cSld>
+    <p:spTree>
+      <p:nvGrpSpPr>
+        <p:cNvPr id="1" name=""/>
+        <p:cNvGrpSpPr/>
+        <p:nvPr/>
+      </p:nvGrpSpPr>
+      <p:grpSpPr>
+        <a:xfrm>
+          <a:off x="0" y="0"/>
+          <a:ext cx="0" cy="0"/>
+          <a:chOff x="0" y="0"/>
+          <a:chExt cx="0" cy="0"/>
+        </a:xfrm>
+      </p:grpSpPr>
+      <p:sp>
+        <p:nvSpPr>
+          <p:cNvPr id="2" name="Заголовок 1"/>
+          <p:cNvSpPr>
+            <a:spLocks noGrp="1"/>
+          </p:cNvSpPr>
+          <p:nvPr>
+            <p:ph type="title"/>
+          </p:nvPr>
+        </p:nvSpPr>
+        <p:spPr>
+          <a:xfrm>
+            <a:off x="926178" y="899963"/>
+            <a:ext cx="10233800" cy="1325563"/>
+          </a:xfrm>
+        </p:spPr>
+        <p:txBody>
+          <a:bodyPr/>
+          <a:lstStyle/>
+          <a:p>
+            <a:r>
+              <a:rPr lang="ru-RU" dirty="0" smtClean="0"/>
+              <a:t>Вывод</a:t>
+            </a:r>
+            <a:endParaRPr lang="ru-RU" dirty="0"/>
+          </a:p>
+        </p:txBody>
+      </p:sp>
+      <p:sp>
+        <p:nvSpPr>
+          <p:cNvPr id="4" name="Rectangle 1"/>
+          <p:cNvSpPr>
+            <a:spLocks noGrp="1" noChangeArrowheads="1"/>
+          </p:cNvSpPr>
+          <p:nvPr>
+            <p:ph idx="1"/>
+          </p:nvPr>
+        </p:nvSpPr>
+        <p:spPr bwMode="auto">
+          <a:xfrm>
+            <a:off x="926178" y="2560169"/>
+            <a:ext cx="10365800" cy="2128796"/>
+          </a:xfrm>
+          <a:prstGeom prst="rect">
+            <a:avLst/>
+          </a:prstGeom>
+          <a:noFill/>
+          <a:ln>
+            <a:noFill/>
+          </a:ln>
+          <a:effectLst/>
+        </p:spPr>
+        <p:txBody>
+          <a:bodyPr vert="horz" wrap="square" lIns="0" tIns="-12696" rIns="0" bIns="-12696" numCol="1" anchor="ctr" anchorCtr="0" compatLnSpc="1">
+            <a:prstTxWarp prst="textNoShape">
+              <a:avLst/>
+            </a:prstTxWarp>
+            <a:spAutoFit/>
+          </a:bodyPr>
+          <a:lstStyle/>
+          <a:p>
+            <a:pPr marL="0" lvl="0" indent="0" eaLnBrk="0" fontAlgn="base" hangingPunct="0">
+              <a:lnSpc>
+                <a:spcPct val="100000"/>
+              </a:lnSpc>
+              <a:spcBef>
+                <a:spcPct val="0"/>
+              </a:spcBef>
+              <a:spcAft>
+                <a:spcPct val="0"/>
+              </a:spcAft>
+              <a:buNone/>
+            </a:pPr>
+            <a:r>
+              <a:rPr lang="ru-RU" altLang="ru-RU" dirty="0" smtClean="0"/>
+              <a:t>На примере </a:t>
+            </a:r>
+            <a:r>
+              <a:rPr lang="ru-RU" dirty="0" smtClean="0"/>
+              <a:t>машины </a:t>
+            </a:r>
+            <a:r>
+              <a:rPr lang="ru-RU" dirty="0" err="1" smtClean="0"/>
+              <a:t>Штаффеля</a:t>
+            </a:r>
+            <a:r>
+              <a:rPr lang="ru-RU" dirty="0" smtClean="0"/>
+              <a:t> мы можем заметить, </a:t>
+            </a:r>
+            <a:r>
+              <a:rPr lang="ru-RU" altLang="ru-RU" dirty="0" smtClean="0"/>
+              <a:t>что вычислительная система – это </a:t>
+            </a:r>
+            <a:r>
+              <a:rPr lang="ru-RU" altLang="ru-RU" dirty="0"/>
+              <a:t>система, целью которой является </a:t>
+            </a:r>
+            <a:r>
+              <a:rPr lang="ru-RU" altLang="ru-RU" dirty="0" smtClean="0"/>
+              <a:t>лишь упрощение </a:t>
+            </a:r>
+            <a:r>
+              <a:rPr lang="ru-RU" altLang="ru-RU" dirty="0"/>
+              <a:t>процесса ручных </a:t>
+            </a:r>
+            <a:r>
+              <a:rPr lang="ru-RU" altLang="ru-RU" dirty="0" smtClean="0"/>
+              <a:t>исчислений, она не может полностью заменить человека, так как ей нужен тот, кто будет задавать задачи и следить за процессом.</a:t>
+            </a:r>
+            <a:endParaRPr lang="ru-RU" altLang="ru-RU" dirty="0"/>
+          </a:p>
+        </p:txBody>
+      </p:sp>
+    </p:spTree>
+    <p:extLst>
+      <p:ext uri="{BB962C8B-B14F-4D97-AF65-F5344CB8AC3E}">
+        <p14:creationId xmlns:p14="http://schemas.microsoft.com/office/powerpoint/2010/main" val="958087282"/>
       </p:ext>
     </p:extLst>
   </p:cSld>
